--- a/lectures/Lecture 7 - Next Steps.pptx
+++ b/lectures/Lecture 7 - Next Steps.pptx
@@ -21606,8 +21606,12 @@
               <a:buNone/>
             </a:pPr>
             <a:r>
-              <a:rPr lang="en-US" dirty="0" smtClean="0"/>
-              <a:t>Next Steps (and the Raffle!)</a:t>
+              <a:rPr lang="en-US" smtClean="0"/>
+              <a:t>Next </a:t>
+            </a:r>
+            <a:r>
+              <a:rPr lang="en-US" smtClean="0"/>
+              <a:t>Steps</a:t>
             </a:r>
             <a:endParaRPr lang="en-US" dirty="0"/>
           </a:p>
@@ -21735,6 +21739,47 @@
           </a:p>
         </p:txBody>
       </p:sp>
+      <p:pic>
+        <p:nvPicPr>
+          <p:cNvPr id="4" name="Picture 2" descr="https://lh4.googleusercontent.com/S34j9hYJ8iTSslnIDUFC_cQaOdCUdUs5cW3t21ic_4ic5DHHl_aK0no9srRbSwtlsTRhUYr2bOsLpnmRf1uEJPQipsfhVO_TuuR2rDxrkMhyRKTRh-eYWTQJtIaKLQqGMIdFtuneauA"/>
+          <p:cNvPicPr>
+            <a:picLocks noChangeAspect="1" noChangeArrowheads="1"/>
+          </p:cNvPicPr>
+          <p:nvPr/>
+        </p:nvPicPr>
+        <p:blipFill>
+          <a:blip r:embed="rId4">
+            <a:extLst>
+              <a:ext uri="{28A0092B-C50C-407E-A947-70E740481C1C}">
+                <a14:useLocalDpi xmlns:a14="http://schemas.microsoft.com/office/drawing/2010/main" val="0"/>
+              </a:ext>
+            </a:extLst>
+          </a:blip>
+          <a:srcRect/>
+          <a:stretch>
+            <a:fillRect/>
+          </a:stretch>
+        </p:blipFill>
+        <p:spPr bwMode="auto">
+          <a:xfrm>
+            <a:off x="4800600" y="0"/>
+            <a:ext cx="4343400" cy="2571750"/>
+          </a:xfrm>
+          <a:prstGeom prst="rect">
+            <a:avLst/>
+          </a:prstGeom>
+          <a:noFill/>
+          <a:extLst>
+            <a:ext uri="{909E8E84-426E-40DD-AFC4-6F175D3DCCD1}">
+              <a14:hiddenFill xmlns:a14="http://schemas.microsoft.com/office/drawing/2010/main">
+                <a:solidFill>
+                  <a:srgbClr val="FFFFFF"/>
+                </a:solidFill>
+              </a14:hiddenFill>
+            </a:ext>
+          </a:extLst>
+        </p:spPr>
+      </p:pic>
     </p:spTree>
   </p:cSld>
   <p:clrMapOvr>
@@ -21983,7 +22028,34 @@
                   <a:srgbClr val="000000"/>
                 </a:solidFill>
               </a:rPr>
-              <a:t>DataStax and Microsoft - </a:t>
+              <a:t>DataStax and </a:t>
+            </a:r>
+            <a:r>
+              <a:rPr lang="en-US" dirty="0" smtClean="0">
+                <a:solidFill>
+                  <a:srgbClr val="000000"/>
+                </a:solidFill>
+              </a:rPr>
+              <a:t>Microsoft</a:t>
+            </a:r>
+          </a:p>
+          <a:p>
+            <a:pPr marL="1257300" lvl="2" indent="-228600">
+              <a:spcBef>
+                <a:spcPts val="0"/>
+              </a:spcBef>
+              <a:buClr>
+                <a:srgbClr val="000000"/>
+              </a:buClr>
+            </a:pPr>
+            <a:r>
+              <a:rPr lang="en-US" dirty="0" smtClean="0">
+                <a:solidFill>
+                  <a:srgbClr val="000000"/>
+                </a:solidFill>
+                <a:hlinkClick r:id="rId5"/>
+              </a:rPr>
+              <a:t>http</a:t>
             </a:r>
             <a:r>
               <a:rPr lang="en-US" dirty="0">
@@ -21992,7 +22064,49 @@
                 </a:solidFill>
                 <a:hlinkClick r:id="rId5"/>
               </a:rPr>
-              <a:t>http://datastax.com/partners/microsoft-azure</a:t>
+              <a:t>://</a:t>
+            </a:r>
+            <a:r>
+              <a:rPr lang="en-US" dirty="0" smtClean="0">
+                <a:solidFill>
+                  <a:srgbClr val="000000"/>
+                </a:solidFill>
+                <a:hlinkClick r:id="rId5"/>
+              </a:rPr>
+              <a:t>datastax.com/partners/microsoft-azure</a:t>
+            </a:r>
+            <a:endParaRPr lang="en-US" dirty="0" smtClean="0">
+              <a:solidFill>
+                <a:srgbClr val="000000"/>
+              </a:solidFill>
+            </a:endParaRPr>
+          </a:p>
+          <a:p>
+            <a:pPr marL="1257300" lvl="2" indent="-228600">
+              <a:spcBef>
+                <a:spcPts val="0"/>
+              </a:spcBef>
+              <a:buClr>
+                <a:srgbClr val="000000"/>
+              </a:buClr>
+            </a:pPr>
+            <a:r>
+              <a:rPr lang="en-US" dirty="0">
+                <a:solidFill>
+                  <a:srgbClr val="000000"/>
+                </a:solidFill>
+                <a:hlinkClick r:id="rId6" invalidUrl="https://github.com/DSPN/partners/blob/master/Microsoft Azure.md"/>
+              </a:rPr>
+              <a:t>https://github.com/DSPN/partners/blob/master/Microsoft </a:t>
+            </a:r>
+            <a:r>
+              <a:rPr lang="en-US" dirty="0" smtClean="0">
+                <a:solidFill>
+                  <a:srgbClr val="000000"/>
+                </a:solidFill>
+                <a:hlinkClick r:id="rId7" invalidUrl="https://github.com/DSPN/partners/blob/master/Microsoft Azure.md"/>
+              </a:rPr>
+              <a:t>Azure.md</a:t>
             </a:r>
             <a:endParaRPr lang="en-US" dirty="0">
               <a:solidFill>
@@ -22030,7 +22144,7 @@
                 <a:solidFill>
                   <a:srgbClr val="000000"/>
                 </a:solidFill>
-                <a:hlinkClick r:id="rId6"/>
+                <a:hlinkClick r:id="rId8"/>
               </a:rPr>
               <a:t>https://academy.datastax.com/resources/deployment-guide-azure</a:t>
             </a:r>
@@ -22070,7 +22184,7 @@
                 <a:solidFill>
                   <a:srgbClr val="000000"/>
                 </a:solidFill>
-                <a:hlinkClick r:id="rId7"/>
+                <a:hlinkClick r:id="rId9"/>
               </a:rPr>
               <a:t>https://</a:t>
             </a:r>
@@ -22079,7 +22193,7 @@
                 <a:solidFill>
                   <a:srgbClr val="000000"/>
                 </a:solidFill>
-                <a:hlinkClick r:id="rId7"/>
+                <a:hlinkClick r:id="rId9"/>
               </a:rPr>
               <a:t>github.com/DSPN/azure-resource-manager-dse</a:t>
             </a:r>
@@ -22326,21 +22440,6 @@
               </a:rPr>
               <a:t>sales@datastax.com</a:t>
             </a:r>
-            <a:endParaRPr lang="en-US" dirty="0" smtClean="0">
-              <a:solidFill>
-                <a:srgbClr val="000000"/>
-              </a:solidFill>
-            </a:endParaRPr>
-          </a:p>
-          <a:p>
-            <a:pPr marL="457200" indent="-228600">
-              <a:spcBef>
-                <a:spcPts val="0"/>
-              </a:spcBef>
-              <a:buClr>
-                <a:srgbClr val="000000"/>
-              </a:buClr>
-            </a:pPr>
             <a:endParaRPr lang="en-US" dirty="0">
               <a:solidFill>
                 <a:srgbClr val="000000"/>
@@ -22378,8 +22477,21 @@
                   <a:srgbClr val="000000"/>
                 </a:solidFill>
               </a:rPr>
-              <a:t>Thanks for coming!  Be sure to sign up for the raffle!</a:t>
+              <a:t>Thanks for coming</a:t>
             </a:r>
+            <a:r>
+              <a:rPr lang="en-US" dirty="0" smtClean="0">
+                <a:solidFill>
+                  <a:srgbClr val="000000"/>
+                </a:solidFill>
+              </a:rPr>
+              <a:t>!</a:t>
+            </a:r>
+            <a:endParaRPr lang="en-US" dirty="0" smtClean="0">
+              <a:solidFill>
+                <a:srgbClr val="000000"/>
+              </a:solidFill>
+            </a:endParaRPr>
           </a:p>
         </p:txBody>
       </p:sp>
